--- a/Prez.pptx
+++ b/Prez.pptx
@@ -11,7 +11,8 @@
     <p:sldId id="261" r:id="rId5"/>
     <p:sldId id="262" r:id="rId6"/>
     <p:sldId id="264" r:id="rId7"/>
-    <p:sldId id="266" r:id="rId8"/>
+    <p:sldId id="268" r:id="rId8"/>
+    <p:sldId id="266" r:id="rId9"/>
   </p:sldIdLst>
   <p:sldSz cx="12192000" cy="6858000"/>
   <p:notesSz cx="6858000" cy="9144000"/>
@@ -110,6 +111,11 @@
       </a:defRPr>
     </a:lvl9pPr>
   </p:defaultTextStyle>
+  <p:extLst>
+    <p:ext uri="{EFAFB233-063F-42B5-8137-9DF3F51BA10A}">
+      <p15:sldGuideLst xmlns:p15="http://schemas.microsoft.com/office/powerpoint/2012/main"/>
+    </p:ext>
+  </p:extLst>
 </p:presentation>
 </file>
 
@@ -244,7 +250,7 @@
           <a:p>
             <a:fld id="{E69EE09F-8C65-409E-AAFE-5BB42110E2EE}" type="datetimeFigureOut">
               <a:rPr lang="fr-FR" smtClean="0"/>
-              <a:t>14/11/2023</a:t>
+              <a:t>16/11/2023</a:t>
             </a:fld>
             <a:endParaRPr lang="fr-FR"/>
           </a:p>
@@ -414,7 +420,7 @@
           <a:p>
             <a:fld id="{E69EE09F-8C65-409E-AAFE-5BB42110E2EE}" type="datetimeFigureOut">
               <a:rPr lang="fr-FR" smtClean="0"/>
-              <a:t>14/11/2023</a:t>
+              <a:t>16/11/2023</a:t>
             </a:fld>
             <a:endParaRPr lang="fr-FR"/>
           </a:p>
@@ -594,7 +600,7 @@
           <a:p>
             <a:fld id="{E69EE09F-8C65-409E-AAFE-5BB42110E2EE}" type="datetimeFigureOut">
               <a:rPr lang="fr-FR" smtClean="0"/>
-              <a:t>14/11/2023</a:t>
+              <a:t>16/11/2023</a:t>
             </a:fld>
             <a:endParaRPr lang="fr-FR"/>
           </a:p>
@@ -764,7 +770,7 @@
           <a:p>
             <a:fld id="{E69EE09F-8C65-409E-AAFE-5BB42110E2EE}" type="datetimeFigureOut">
               <a:rPr lang="fr-FR" smtClean="0"/>
-              <a:t>14/11/2023</a:t>
+              <a:t>16/11/2023</a:t>
             </a:fld>
             <a:endParaRPr lang="fr-FR"/>
           </a:p>
@@ -1010,7 +1016,7 @@
           <a:p>
             <a:fld id="{E69EE09F-8C65-409E-AAFE-5BB42110E2EE}" type="datetimeFigureOut">
               <a:rPr lang="fr-FR" smtClean="0"/>
-              <a:t>14/11/2023</a:t>
+              <a:t>16/11/2023</a:t>
             </a:fld>
             <a:endParaRPr lang="fr-FR"/>
           </a:p>
@@ -1242,7 +1248,7 @@
           <a:p>
             <a:fld id="{E69EE09F-8C65-409E-AAFE-5BB42110E2EE}" type="datetimeFigureOut">
               <a:rPr lang="fr-FR" smtClean="0"/>
-              <a:t>14/11/2023</a:t>
+              <a:t>16/11/2023</a:t>
             </a:fld>
             <a:endParaRPr lang="fr-FR"/>
           </a:p>
@@ -1609,7 +1615,7 @@
           <a:p>
             <a:fld id="{E69EE09F-8C65-409E-AAFE-5BB42110E2EE}" type="datetimeFigureOut">
               <a:rPr lang="fr-FR" smtClean="0"/>
-              <a:t>14/11/2023</a:t>
+              <a:t>16/11/2023</a:t>
             </a:fld>
             <a:endParaRPr lang="fr-FR"/>
           </a:p>
@@ -1727,7 +1733,7 @@
           <a:p>
             <a:fld id="{E69EE09F-8C65-409E-AAFE-5BB42110E2EE}" type="datetimeFigureOut">
               <a:rPr lang="fr-FR" smtClean="0"/>
-              <a:t>14/11/2023</a:t>
+              <a:t>16/11/2023</a:t>
             </a:fld>
             <a:endParaRPr lang="fr-FR"/>
           </a:p>
@@ -1822,7 +1828,7 @@
           <a:p>
             <a:fld id="{E69EE09F-8C65-409E-AAFE-5BB42110E2EE}" type="datetimeFigureOut">
               <a:rPr lang="fr-FR" smtClean="0"/>
-              <a:t>14/11/2023</a:t>
+              <a:t>16/11/2023</a:t>
             </a:fld>
             <a:endParaRPr lang="fr-FR"/>
           </a:p>
@@ -2099,7 +2105,7 @@
           <a:p>
             <a:fld id="{E69EE09F-8C65-409E-AAFE-5BB42110E2EE}" type="datetimeFigureOut">
               <a:rPr lang="fr-FR" smtClean="0"/>
-              <a:t>14/11/2023</a:t>
+              <a:t>16/11/2023</a:t>
             </a:fld>
             <a:endParaRPr lang="fr-FR"/>
           </a:p>
@@ -2352,7 +2358,7 @@
           <a:p>
             <a:fld id="{E69EE09F-8C65-409E-AAFE-5BB42110E2EE}" type="datetimeFigureOut">
               <a:rPr lang="fr-FR" smtClean="0"/>
-              <a:t>14/11/2023</a:t>
+              <a:t>16/11/2023</a:t>
             </a:fld>
             <a:endParaRPr lang="fr-FR"/>
           </a:p>
@@ -2565,7 +2571,7 @@
           <a:p>
             <a:fld id="{E69EE09F-8C65-409E-AAFE-5BB42110E2EE}" type="datetimeFigureOut">
               <a:rPr lang="fr-FR" smtClean="0"/>
-              <a:t>14/11/2023</a:t>
+              <a:t>16/11/2023</a:t>
             </a:fld>
             <a:endParaRPr lang="fr-FR"/>
           </a:p>
@@ -4665,6 +4671,368 @@
           <a:p>
             <a:pPr algn="ctr"/>
             <a:r>
+              <a:rPr lang="fr-FR" dirty="0" smtClean="0">
+                <a:solidFill>
+                  <a:schemeClr val="accent2"/>
+                </a:solidFill>
+                <a:latin typeface="Bahnschrift SemiCondensed" panose="020B0502040204020203" pitchFamily="34" charset="0"/>
+              </a:rPr>
+              <a:t>Extractions des </a:t>
+            </a:r>
+            <a:r>
+              <a:rPr lang="fr-FR" dirty="0" err="1" smtClean="0">
+                <a:solidFill>
+                  <a:schemeClr val="accent2"/>
+                </a:solidFill>
+                <a:latin typeface="Bahnschrift SemiCondensed" panose="020B0502040204020203" pitchFamily="34" charset="0"/>
+              </a:rPr>
+              <a:t>channels</a:t>
+            </a:r>
+            <a:r>
+              <a:rPr lang="fr-FR" dirty="0" smtClean="0">
+                <a:solidFill>
+                  <a:schemeClr val="accent2"/>
+                </a:solidFill>
+                <a:latin typeface="Bahnschrift SemiCondensed" panose="020B0502040204020203" pitchFamily="34" charset="0"/>
+              </a:rPr>
+              <a:t> / visualisation</a:t>
+            </a:r>
+            <a:endParaRPr lang="fr-FR" dirty="0">
+              <a:solidFill>
+                <a:schemeClr val="accent2"/>
+              </a:solidFill>
+              <a:latin typeface="Bahnschrift SemiCondensed" panose="020B0502040204020203" pitchFamily="34" charset="0"/>
+            </a:endParaRPr>
+          </a:p>
+        </p:txBody>
+      </p:sp>
+      <p:sp>
+        <p:nvSpPr>
+          <p:cNvPr id="3" name="Espace réservé du contenu 2"/>
+          <p:cNvSpPr>
+            <a:spLocks noGrp="1"/>
+          </p:cNvSpPr>
+          <p:nvPr>
+            <p:ph idx="1"/>
+          </p:nvPr>
+        </p:nvSpPr>
+        <p:spPr>
+          <a:xfrm>
+            <a:off x="838200" y="1825625"/>
+            <a:ext cx="10515600" cy="4764018"/>
+          </a:xfrm>
+        </p:spPr>
+        <p:txBody>
+          <a:bodyPr>
+            <a:normAutofit fontScale="92500" lnSpcReduction="10000"/>
+          </a:bodyPr>
+          <a:lstStyle/>
+          <a:p>
+            <a:pPr marL="0" indent="0">
+              <a:buNone/>
+            </a:pPr>
+            <a:r>
+              <a:rPr lang="fr-FR" b="1" dirty="0" smtClean="0">
+                <a:latin typeface="Bahnschrift SemiLight" panose="020B0502040204020203" pitchFamily="34" charset="0"/>
+              </a:rPr>
+              <a:t>👉 Mise à jour du filtre des types de </a:t>
+            </a:r>
+            <a:r>
+              <a:rPr lang="fr-FR" b="1" dirty="0" err="1" smtClean="0">
+                <a:latin typeface="Bahnschrift SemiLight" panose="020B0502040204020203" pitchFamily="34" charset="0"/>
+              </a:rPr>
+              <a:t>posts</a:t>
+            </a:r>
+            <a:r>
+              <a:rPr lang="fr-FR" b="1" dirty="0" smtClean="0">
+                <a:latin typeface="Bahnschrift SemiLight" panose="020B0502040204020203" pitchFamily="34" charset="0"/>
+              </a:rPr>
+              <a:t> (</a:t>
+            </a:r>
+            <a:r>
+              <a:rPr lang="fr-FR" b="1" dirty="0" err="1" smtClean="0">
+                <a:latin typeface="Bahnschrift SemiLight" panose="020B0502040204020203" pitchFamily="34" charset="0"/>
+              </a:rPr>
+              <a:t>fraud</a:t>
+            </a:r>
+            <a:r>
+              <a:rPr lang="fr-FR" b="1" dirty="0" smtClean="0">
+                <a:latin typeface="Bahnschrift SemiLight" panose="020B0502040204020203" pitchFamily="34" charset="0"/>
+              </a:rPr>
+              <a:t> &amp; non </a:t>
+            </a:r>
+            <a:r>
+              <a:rPr lang="fr-FR" b="1" dirty="0" err="1" smtClean="0">
+                <a:latin typeface="Bahnschrift SemiLight" panose="020B0502040204020203" pitchFamily="34" charset="0"/>
+              </a:rPr>
+              <a:t>fraud</a:t>
+            </a:r>
+            <a:r>
+              <a:rPr lang="fr-FR" b="1" dirty="0" smtClean="0">
+                <a:latin typeface="Bahnschrift SemiLight" panose="020B0502040204020203" pitchFamily="34" charset="0"/>
+              </a:rPr>
+              <a:t>)</a:t>
+            </a:r>
+          </a:p>
+          <a:p>
+            <a:pPr marL="0" indent="0">
+              <a:buNone/>
+            </a:pPr>
+            <a:endParaRPr lang="fr-FR" b="1" dirty="0">
+              <a:latin typeface="Bahnschrift SemiLight" panose="020B0502040204020203" pitchFamily="34" charset="0"/>
+            </a:endParaRPr>
+          </a:p>
+          <a:p>
+            <a:pPr marL="0" indent="0">
+              <a:buNone/>
+            </a:pPr>
+            <a:r>
+              <a:rPr lang="fr-FR" b="1" dirty="0" smtClean="0">
+                <a:latin typeface="Bahnschrift SemiLight" panose="020B0502040204020203" pitchFamily="34" charset="0"/>
+              </a:rPr>
+              <a:t>👉 Nous avons l’ensemble des </a:t>
+            </a:r>
+            <a:r>
+              <a:rPr lang="fr-FR" b="1" dirty="0" err="1" smtClean="0">
+                <a:latin typeface="Bahnschrift SemiLight" panose="020B0502040204020203" pitchFamily="34" charset="0"/>
+              </a:rPr>
+              <a:t>channels</a:t>
+            </a:r>
+            <a:r>
+              <a:rPr lang="fr-FR" b="1" dirty="0" smtClean="0">
+                <a:latin typeface="Bahnschrift SemiLight" panose="020B0502040204020203" pitchFamily="34" charset="0"/>
+              </a:rPr>
+              <a:t> </a:t>
+            </a:r>
+            <a:r>
+              <a:rPr lang="fr-FR" b="1" dirty="0" err="1" smtClean="0">
+                <a:latin typeface="Bahnschrift SemiLight" panose="020B0502040204020203" pitchFamily="34" charset="0"/>
+              </a:rPr>
+              <a:t>télégram</a:t>
+            </a:r>
+            <a:r>
+              <a:rPr lang="fr-FR" b="1" dirty="0" smtClean="0">
+                <a:latin typeface="Bahnschrift SemiLight" panose="020B0502040204020203" pitchFamily="34" charset="0"/>
+              </a:rPr>
+              <a:t> &amp; </a:t>
+            </a:r>
+            <a:r>
+              <a:rPr lang="fr-FR" b="1" dirty="0" err="1" smtClean="0">
+                <a:latin typeface="Bahnschrift SemiLight" panose="020B0502040204020203" pitchFamily="34" charset="0"/>
+              </a:rPr>
+              <a:t>whatsApp</a:t>
+            </a:r>
+            <a:r>
+              <a:rPr lang="fr-FR" b="1" dirty="0" smtClean="0">
+                <a:latin typeface="Bahnschrift SemiLight" panose="020B0502040204020203" pitchFamily="34" charset="0"/>
+              </a:rPr>
+              <a:t> partagé par les fraudeurs; </a:t>
+            </a:r>
+          </a:p>
+          <a:p>
+            <a:pPr marL="0" indent="0">
+              <a:buNone/>
+            </a:pPr>
+            <a:endParaRPr lang="fr-FR" b="1" dirty="0" smtClean="0">
+              <a:latin typeface="Bahnschrift SemiLight" panose="020B0502040204020203" pitchFamily="34" charset="0"/>
+            </a:endParaRPr>
+          </a:p>
+          <a:p>
+            <a:pPr marL="0" indent="0">
+              <a:buNone/>
+            </a:pPr>
+            <a:r>
+              <a:rPr lang="fr-FR" b="1" dirty="0" smtClean="0">
+                <a:latin typeface="Bahnschrift SemiLight" panose="020B0502040204020203" pitchFamily="34" charset="0"/>
+              </a:rPr>
+              <a:t>👉 Représentation du TOP 10 </a:t>
+            </a:r>
+            <a:r>
+              <a:rPr lang="fr-FR" b="1" dirty="0" err="1" smtClean="0">
+                <a:latin typeface="Bahnschrift SemiLight" panose="020B0502040204020203" pitchFamily="34" charset="0"/>
+              </a:rPr>
+              <a:t>Telegram</a:t>
+            </a:r>
+            <a:r>
+              <a:rPr lang="fr-FR" b="1" dirty="0" smtClean="0">
+                <a:latin typeface="Bahnschrift SemiLight" panose="020B0502040204020203" pitchFamily="34" charset="0"/>
+              </a:rPr>
+              <a:t> &amp; </a:t>
+            </a:r>
+            <a:r>
+              <a:rPr lang="fr-FR" b="1" dirty="0" err="1" smtClean="0">
+                <a:latin typeface="Bahnschrift SemiLight" panose="020B0502040204020203" pitchFamily="34" charset="0"/>
+              </a:rPr>
+              <a:t>watshapp</a:t>
+            </a:r>
+            <a:r>
+              <a:rPr lang="fr-FR" b="1" dirty="0" smtClean="0">
+                <a:latin typeface="Bahnschrift SemiLight" panose="020B0502040204020203" pitchFamily="34" charset="0"/>
+              </a:rPr>
+              <a:t> des </a:t>
+            </a:r>
+            <a:r>
+              <a:rPr lang="fr-FR" b="1" dirty="0" err="1" smtClean="0">
+                <a:latin typeface="Bahnschrift SemiLight" panose="020B0502040204020203" pitchFamily="34" charset="0"/>
+              </a:rPr>
+              <a:t>channels</a:t>
+            </a:r>
+            <a:r>
+              <a:rPr lang="fr-FR" b="1" dirty="0" smtClean="0">
+                <a:latin typeface="Bahnschrift SemiLight" panose="020B0502040204020203" pitchFamily="34" charset="0"/>
+              </a:rPr>
+              <a:t> (</a:t>
+            </a:r>
+            <a:r>
+              <a:rPr lang="fr-FR" b="1" dirty="0" err="1" smtClean="0">
+                <a:latin typeface="Bahnschrift SemiLight" panose="020B0502040204020203" pitchFamily="34" charset="0"/>
+              </a:rPr>
+              <a:t>Frequence</a:t>
+            </a:r>
+            <a:r>
+              <a:rPr lang="fr-FR" b="1" dirty="0" smtClean="0">
+                <a:latin typeface="Bahnschrift SemiLight" panose="020B0502040204020203" pitchFamily="34" charset="0"/>
+              </a:rPr>
+              <a:t> de </a:t>
+            </a:r>
+            <a:r>
+              <a:rPr lang="fr-FR" b="1" dirty="0" err="1" smtClean="0">
+                <a:latin typeface="Bahnschrift SemiLight" panose="020B0502040204020203" pitchFamily="34" charset="0"/>
+              </a:rPr>
+              <a:t>posts</a:t>
+            </a:r>
+            <a:r>
+              <a:rPr lang="fr-FR" b="1" dirty="0" smtClean="0">
+                <a:latin typeface="Bahnschrift SemiLight" panose="020B0502040204020203" pitchFamily="34" charset="0"/>
+              </a:rPr>
+              <a:t>) ; </a:t>
+            </a:r>
+          </a:p>
+          <a:p>
+            <a:pPr marL="0" indent="0">
+              <a:buNone/>
+            </a:pPr>
+            <a:endParaRPr lang="fr-FR" b="1" dirty="0" smtClean="0">
+              <a:latin typeface="Bahnschrift SemiLight" panose="020B0502040204020203" pitchFamily="34" charset="0"/>
+            </a:endParaRPr>
+          </a:p>
+          <a:p>
+            <a:pPr marL="0" indent="0">
+              <a:buNone/>
+            </a:pPr>
+            <a:r>
+              <a:rPr lang="fr-FR" b="1" dirty="0" smtClean="0">
+                <a:latin typeface="Bahnschrift SemiLight" panose="020B0502040204020203" pitchFamily="34" charset="0"/>
+              </a:rPr>
+              <a:t>👉 Extraction du top 3-Gram des données </a:t>
+            </a:r>
+            <a:r>
+              <a:rPr lang="fr-FR" b="1" dirty="0" err="1" smtClean="0">
+                <a:latin typeface="Bahnschrift SemiLight" panose="020B0502040204020203" pitchFamily="34" charset="0"/>
+              </a:rPr>
+              <a:t>google</a:t>
+            </a:r>
+            <a:r>
+              <a:rPr lang="fr-FR" b="1" dirty="0" smtClean="0">
+                <a:latin typeface="Bahnschrift SemiLight" panose="020B0502040204020203" pitchFamily="34" charset="0"/>
+              </a:rPr>
+              <a:t> ; </a:t>
+            </a:r>
+          </a:p>
+          <a:p>
+            <a:pPr marL="0" indent="0">
+              <a:buNone/>
+            </a:pPr>
+            <a:endParaRPr lang="fr-FR" b="1" dirty="0" smtClean="0">
+              <a:latin typeface="Bahnschrift SemiLight" panose="020B0502040204020203" pitchFamily="34" charset="0"/>
+            </a:endParaRPr>
+          </a:p>
+          <a:p>
+            <a:pPr marL="0" indent="0">
+              <a:buNone/>
+            </a:pPr>
+            <a:r>
+              <a:rPr lang="fr-FR" b="1" dirty="0" smtClean="0">
+                <a:latin typeface="Bahnschrift SemiLight" panose="020B0502040204020203" pitchFamily="34" charset="0"/>
+              </a:rPr>
+              <a:t>👉 Enrichissement du visuel ;</a:t>
+            </a:r>
+            <a:endParaRPr lang="fr-FR" b="1" dirty="0" smtClean="0">
+              <a:latin typeface="Bahnschrift SemiLight" panose="020B0502040204020203" pitchFamily="34" charset="0"/>
+            </a:endParaRPr>
+          </a:p>
+          <a:p>
+            <a:pPr marL="0" indent="0">
+              <a:buNone/>
+            </a:pPr>
+            <a:endParaRPr lang="fr-FR" b="1" dirty="0">
+              <a:latin typeface="Bahnschrift SemiLight" panose="020B0502040204020203" pitchFamily="34" charset="0"/>
+            </a:endParaRPr>
+          </a:p>
+          <a:p>
+            <a:pPr marL="0" indent="0" algn="ctr">
+              <a:buNone/>
+            </a:pPr>
+            <a:endParaRPr lang="fr-FR" b="1" dirty="0">
+              <a:latin typeface="Bahnschrift SemiLight" panose="020B0502040204020203" pitchFamily="34" charset="0"/>
+            </a:endParaRPr>
+          </a:p>
+        </p:txBody>
+      </p:sp>
+    </p:spTree>
+    <p:extLst>
+      <p:ext uri="{BB962C8B-B14F-4D97-AF65-F5344CB8AC3E}">
+        <p14:creationId xmlns:p14="http://schemas.microsoft.com/office/powerpoint/2010/main" val="4136199797"/>
+      </p:ext>
+    </p:extLst>
+  </p:cSld>
+  <p:clrMapOvr>
+    <a:masterClrMapping/>
+  </p:clrMapOvr>
+  <p:timing>
+    <p:tnLst>
+      <p:par>
+        <p:cTn id="1" dur="indefinite" restart="never" nodeType="tmRoot"/>
+      </p:par>
+    </p:tnLst>
+  </p:timing>
+</p:sld>
+</file>
+
+<file path=ppt/slides/slide8.xml><?xml version="1.0" encoding="utf-8"?>
+<p:sld xmlns:a="http://schemas.openxmlformats.org/drawingml/2006/main" xmlns:r="http://schemas.openxmlformats.org/officeDocument/2006/relationships" xmlns:p="http://schemas.openxmlformats.org/presentationml/2006/main" show="0">
+  <p:cSld>
+    <p:spTree>
+      <p:nvGrpSpPr>
+        <p:cNvPr id="1" name=""/>
+        <p:cNvGrpSpPr/>
+        <p:nvPr/>
+      </p:nvGrpSpPr>
+      <p:grpSpPr>
+        <a:xfrm>
+          <a:off x="0" y="0"/>
+          <a:ext cx="0" cy="0"/>
+          <a:chOff x="0" y="0"/>
+          <a:chExt cx="0" cy="0"/>
+        </a:xfrm>
+      </p:grpSpPr>
+      <p:sp>
+        <p:nvSpPr>
+          <p:cNvPr id="2" name="Titre 1"/>
+          <p:cNvSpPr>
+            <a:spLocks noGrp="1"/>
+          </p:cNvSpPr>
+          <p:nvPr>
+            <p:ph type="title"/>
+          </p:nvPr>
+        </p:nvSpPr>
+        <p:spPr/>
+        <p:txBody>
+          <a:bodyPr/>
+          <a:lstStyle/>
+          <a:p>
+            <a:pPr algn="ctr"/>
+            <a:r>
               <a:rPr lang="fr-FR" b="1" dirty="0" smtClean="0">
                 <a:solidFill>
                   <a:schemeClr val="accent2"/>
@@ -4700,25 +5068,33 @@
             <a:pPr marL="0" indent="0" algn="ctr">
               <a:buNone/>
             </a:pPr>
-            <a:endParaRPr lang="fr-FR" b="1" dirty="0" smtClean="0"/>
+            <a:endParaRPr lang="fr-FR" b="1" dirty="0" smtClean="0">
+              <a:latin typeface="Bahnschrift SemiLight" panose="020B0502040204020203" pitchFamily="34" charset="0"/>
+            </a:endParaRPr>
           </a:p>
           <a:p>
             <a:pPr marL="0" indent="0" algn="ctr">
               <a:buNone/>
             </a:pPr>
-            <a:endParaRPr lang="fr-FR" b="1" dirty="0"/>
+            <a:endParaRPr lang="fr-FR" b="1" dirty="0">
+              <a:latin typeface="Bahnschrift SemiLight" panose="020B0502040204020203" pitchFamily="34" charset="0"/>
+            </a:endParaRPr>
           </a:p>
           <a:p>
             <a:pPr marL="0" indent="0" algn="ctr">
               <a:buNone/>
             </a:pPr>
             <a:r>
-              <a:rPr lang="fr-FR" b="1" dirty="0" smtClean="0"/>
+              <a:rPr lang="fr-FR" b="1" dirty="0" smtClean="0">
+                <a:latin typeface="Bahnschrift SemiLight" panose="020B0502040204020203" pitchFamily="34" charset="0"/>
+              </a:rPr>
               <a:t>👉 </a:t>
             </a:r>
             <a:r>
-              <a:rPr lang="fr-FR" b="1" dirty="0"/>
-              <a:t>Poursuite de l’extraction des données</a:t>
+              <a:rPr lang="fr-FR" b="1" dirty="0" smtClean="0">
+                <a:latin typeface="Bahnschrift SemiLight" panose="020B0502040204020203" pitchFamily="34" charset="0"/>
+              </a:rPr>
+              <a:t>Poursuivre la recherche d’un package afin d’accéder aux commentaires des groupes ; </a:t>
             </a:r>
           </a:p>
           <a:p>
@@ -4726,17 +5102,45 @@
               <a:buNone/>
             </a:pPr>
             <a:r>
-              <a:rPr lang="fr-FR" b="1"/>
-              <a:t>👉  </a:t>
-            </a:r>
-            <a:r>
-              <a:rPr lang="fr-FR" b="1" smtClean="0"/>
-              <a:t>Enrichissement </a:t>
-            </a:r>
-            <a:r>
-              <a:rPr lang="fr-FR" b="1" dirty="0"/>
-              <a:t>des analyses avec du visuel plus pertinents.</a:t>
-            </a:r>
+              <a:rPr lang="fr-FR" b="1" dirty="0" smtClean="0">
+                <a:latin typeface="Bahnschrift SemiLight" panose="020B0502040204020203" pitchFamily="34" charset="0"/>
+              </a:rPr>
+              <a:t>👉 Récupérer les fichiers &amp; liens des </a:t>
+            </a:r>
+            <a:r>
+              <a:rPr lang="fr-FR" b="1" dirty="0" err="1" smtClean="0">
+                <a:latin typeface="Bahnschrift SemiLight" panose="020B0502040204020203" pitchFamily="34" charset="0"/>
+              </a:rPr>
+              <a:t>channels</a:t>
+            </a:r>
+            <a:r>
+              <a:rPr lang="fr-FR" b="1" dirty="0" smtClean="0">
+                <a:latin typeface="Bahnschrift SemiLight" panose="020B0502040204020203" pitchFamily="34" charset="0"/>
+              </a:rPr>
+              <a:t> au sein des commentaires ; </a:t>
+            </a:r>
+          </a:p>
+          <a:p>
+            <a:pPr marL="0" indent="0" algn="ctr">
+              <a:buNone/>
+            </a:pPr>
+            <a:r>
+              <a:rPr lang="fr-FR" b="1" dirty="0" smtClean="0">
+                <a:latin typeface="Bahnschrift SemiLight" panose="020B0502040204020203" pitchFamily="34" charset="0"/>
+              </a:rPr>
+              <a:t>👉 Enrichissement du visuel ; </a:t>
+            </a:r>
+            <a:endParaRPr lang="fr-FR" b="1" dirty="0" smtClean="0">
+              <a:latin typeface="Bahnschrift SemiLight" panose="020B0502040204020203" pitchFamily="34" charset="0"/>
+            </a:endParaRPr>
+          </a:p>
+          <a:p>
+            <a:pPr marL="0" indent="0" algn="ctr">
+              <a:buNone/>
+            </a:pPr>
+            <a:endParaRPr lang="fr-FR" b="1" dirty="0" smtClean="0">
+              <a:latin typeface="Bahnschrift SemiLight" panose="020B0502040204020203" pitchFamily="34" charset="0"/>
+            </a:endParaRPr>
           </a:p>
         </p:txBody>
       </p:sp>
@@ -4750,6 +5154,14 @@
   <p:clrMapOvr>
     <a:masterClrMapping/>
   </p:clrMapOvr>
+  <mc:AlternateContent xmlns:mc="http://schemas.openxmlformats.org/markup-compatibility/2006">
+    <mc:Choice xmlns:p14="http://schemas.microsoft.com/office/powerpoint/2010/main" Requires="p14">
+      <p:transition spd="slow" p14:dur="2000"/>
+    </mc:Choice>
+    <mc:Fallback>
+      <p:transition spd="slow"/>
+    </mc:Fallback>
+  </mc:AlternateContent>
   <p:timing>
     <p:tnLst>
       <p:par>
